--- a/עמדות תפילין.pptx
+++ b/עמדות תפילין.pptx
@@ -217,7 +217,7 @@
           <a:p>
             <a:fld id="{0F8E73F1-17DB-4FA2-B2BE-36B503EBDA95}" type="datetimeFigureOut">
               <a:rPr lang="he-IL" smtClean="0"/>
-              <a:t>ב' תמוז תשפ"ה</a:t>
+              <a:t>י"א תמוז תשפ"ה</a:t>
             </a:fld>
             <a:endParaRPr lang="he-IL"/>
           </a:p>
@@ -655,7 +655,7 @@
             <a:fld id="{87DE6118-2437-4B30-8E3C-4D2BE6020583}" type="datetimeFigureOut">
               <a:rPr lang="en-US" dirty="0"/>
               <a:pPr/>
-              <a:t>6/28/2025</a:t>
+              <a:t>7/7/2025</a:t>
             </a:fld>
             <a:endParaRPr lang="en-US" dirty="0"/>
           </a:p>
@@ -981,7 +981,7 @@
           <a:p>
             <a:fld id="{87DE6118-2437-4B30-8E3C-4D2BE6020583}" type="datetimeFigureOut">
               <a:rPr lang="en-US" dirty="0"/>
-              <a:t>6/28/2025</a:t>
+              <a:t>7/7/2025</a:t>
             </a:fld>
             <a:endParaRPr lang="en-US" dirty="0"/>
           </a:p>
@@ -1156,7 +1156,7 @@
           <a:p>
             <a:fld id="{87DE6118-2437-4B30-8E3C-4D2BE6020583}" type="datetimeFigureOut">
               <a:rPr lang="en-US" dirty="0"/>
-              <a:t>6/28/2025</a:t>
+              <a:t>7/7/2025</a:t>
             </a:fld>
             <a:endParaRPr lang="en-US" dirty="0"/>
           </a:p>
@@ -1321,7 +1321,7 @@
           <a:p>
             <a:fld id="{87DE6118-2437-4B30-8E3C-4D2BE6020583}" type="datetimeFigureOut">
               <a:rPr lang="en-US" dirty="0"/>
-              <a:t>6/28/2025</a:t>
+              <a:t>7/7/2025</a:t>
             </a:fld>
             <a:endParaRPr lang="en-US" dirty="0"/>
           </a:p>
@@ -1594,7 +1594,7 @@
             <a:fld id="{87DE6118-2437-4B30-8E3C-4D2BE6020583}" type="datetimeFigureOut">
               <a:rPr lang="en-US" dirty="0"/>
               <a:pPr/>
-              <a:t>6/28/2025</a:t>
+              <a:t>7/7/2025</a:t>
             </a:fld>
             <a:endParaRPr lang="en-US" dirty="0"/>
           </a:p>
@@ -1984,7 +1984,7 @@
           <a:p>
             <a:fld id="{87DE6118-2437-4B30-8E3C-4D2BE6020583}" type="datetimeFigureOut">
               <a:rPr lang="en-US" dirty="0"/>
-              <a:t>6/28/2025</a:t>
+              <a:t>7/7/2025</a:t>
             </a:fld>
             <a:endParaRPr lang="en-US" dirty="0"/>
           </a:p>
@@ -2456,7 +2456,7 @@
           <a:p>
             <a:fld id="{87DE6118-2437-4B30-8E3C-4D2BE6020583}" type="datetimeFigureOut">
               <a:rPr lang="en-US" dirty="0"/>
-              <a:t>6/28/2025</a:t>
+              <a:t>7/7/2025</a:t>
             </a:fld>
             <a:endParaRPr lang="en-US" dirty="0"/>
           </a:p>
@@ -2569,7 +2569,7 @@
           <a:p>
             <a:fld id="{87DE6118-2437-4B30-8E3C-4D2BE6020583}" type="datetimeFigureOut">
               <a:rPr lang="en-US" dirty="0"/>
-              <a:t>6/28/2025</a:t>
+              <a:t>7/7/2025</a:t>
             </a:fld>
             <a:endParaRPr lang="en-US" dirty="0"/>
           </a:p>
@@ -2659,7 +2659,7 @@
           <a:p>
             <a:fld id="{87DE6118-2437-4B30-8E3C-4D2BE6020583}" type="datetimeFigureOut">
               <a:rPr lang="en-US" dirty="0"/>
-              <a:t>6/28/2025</a:t>
+              <a:t>7/7/2025</a:t>
             </a:fld>
             <a:endParaRPr lang="en-US" dirty="0"/>
           </a:p>
@@ -3001,7 +3001,7 @@
             <a:fld id="{87DE6118-2437-4B30-8E3C-4D2BE6020583}" type="datetimeFigureOut">
               <a:rPr lang="en-US" dirty="0"/>
               <a:pPr/>
-              <a:t>6/28/2025</a:t>
+              <a:t>7/7/2025</a:t>
             </a:fld>
             <a:endParaRPr lang="en-US" dirty="0"/>
           </a:p>
@@ -3386,7 +3386,7 @@
             <a:fld id="{87DE6118-2437-4B30-8E3C-4D2BE6020583}" type="datetimeFigureOut">
               <a:rPr lang="en-US" dirty="0"/>
               <a:pPr/>
-              <a:t>6/28/2025</a:t>
+              <a:t>7/7/2025</a:t>
             </a:fld>
             <a:endParaRPr lang="en-US" dirty="0"/>
           </a:p>
@@ -3661,7 +3661,7 @@
             <a:fld id="{87DE6118-2437-4B30-8E3C-4D2BE6020583}" type="datetimeFigureOut">
               <a:rPr lang="en-US" dirty="0"/>
               <a:pPr/>
-              <a:t>6/28/2025</a:t>
+              <a:t>7/7/2025</a:t>
             </a:fld>
             <a:endParaRPr lang="en-US" dirty="0"/>
           </a:p>
@@ -4285,7 +4285,7 @@
         <p:spPr>
           <a:xfrm>
             <a:off x="10440905" y="2290813"/>
-            <a:ext cx="1330792" cy="1754326"/>
+            <a:ext cx="1330792" cy="2308324"/>
           </a:xfrm>
           <a:prstGeom prst="rect">
             <a:avLst/>
@@ -4336,8 +4336,29 @@
                 <a:latin typeface="Calibri" panose="020F0502020204030204" pitchFamily="34" charset="0"/>
                 <a:cs typeface="Calibri" panose="020F0502020204030204" pitchFamily="34" charset="0"/>
               </a:rPr>
-              <a:t>קוד</a:t>
-            </a:r>
+              <a:t>קוד </a:t>
+            </a:r>
+          </a:p>
+          <a:p>
+            <a:pPr algn="r"/>
+            <a:r>
+              <a:rPr lang="he-IL" dirty="0" smtClean="0">
+                <a:latin typeface="Calibri" panose="020F0502020204030204" pitchFamily="34" charset="0"/>
+                <a:cs typeface="Calibri" panose="020F0502020204030204" pitchFamily="34" charset="0"/>
+              </a:rPr>
+              <a:t>קוד </a:t>
+            </a:r>
+            <a:r>
+              <a:rPr lang="en-US" dirty="0" smtClean="0">
+                <a:latin typeface="Calibri" panose="020F0502020204030204" pitchFamily="34" charset="0"/>
+                <a:cs typeface="Calibri" panose="020F0502020204030204" pitchFamily="34" charset="0"/>
+              </a:rPr>
+              <a:t>APT</a:t>
+            </a:r>
+            <a:endParaRPr lang="he-IL" dirty="0" smtClean="0">
+              <a:latin typeface="Calibri" panose="020F0502020204030204" pitchFamily="34" charset="0"/>
+              <a:cs typeface="Calibri" panose="020F0502020204030204" pitchFamily="34" charset="0"/>
+            </a:endParaRPr>
           </a:p>
           <a:p>
             <a:pPr algn="r"/>
@@ -4358,6 +4379,24 @@
               </a:rPr>
               <a:t>טלפון</a:t>
             </a:r>
+            <a:endParaRPr lang="en-US" dirty="0" smtClean="0">
+              <a:latin typeface="Calibri" panose="020F0502020204030204" pitchFamily="34" charset="0"/>
+              <a:cs typeface="Calibri" panose="020F0502020204030204" pitchFamily="34" charset="0"/>
+            </a:endParaRPr>
+          </a:p>
+          <a:p>
+            <a:pPr algn="r"/>
+            <a:r>
+              <a:rPr lang="he-IL" dirty="0" smtClean="0">
+                <a:latin typeface="Calibri" panose="020F0502020204030204" pitchFamily="34" charset="0"/>
+                <a:cs typeface="Calibri" panose="020F0502020204030204" pitchFamily="34" charset="0"/>
+              </a:rPr>
+              <a:t>פלאפון</a:t>
+            </a:r>
+            <a:endParaRPr lang="he-IL" dirty="0" smtClean="0">
+              <a:latin typeface="Calibri" panose="020F0502020204030204" pitchFamily="34" charset="0"/>
+              <a:cs typeface="Calibri" panose="020F0502020204030204" pitchFamily="34" charset="0"/>
+            </a:endParaRPr>
           </a:p>
           <a:p>
             <a:pPr algn="r"/>
@@ -4397,8 +4436,8 @@
         </p:nvSpPr>
         <p:spPr>
           <a:xfrm>
-            <a:off x="7709950" y="1297774"/>
-            <a:ext cx="2541070" cy="3139321"/>
+            <a:off x="7683339" y="1275724"/>
+            <a:ext cx="2541070" cy="3416320"/>
           </a:xfrm>
           <a:prstGeom prst="rect">
             <a:avLst/>
@@ -4465,10 +4504,6 @@
               </a:rPr>
               <a:t>קוד דוכן</a:t>
             </a:r>
-            <a:endParaRPr lang="he-IL" dirty="0" smtClean="0">
-              <a:latin typeface="Calibri" panose="020F0502020204030204" pitchFamily="34" charset="0"/>
-              <a:cs typeface="Calibri" panose="020F0502020204030204" pitchFamily="34" charset="0"/>
-            </a:endParaRPr>
           </a:p>
           <a:p>
             <a:pPr algn="r"/>
@@ -4563,14 +4598,7 @@
                 <a:latin typeface="Calibri" panose="020F0502020204030204" pitchFamily="34" charset="0"/>
                 <a:cs typeface="Calibri" panose="020F0502020204030204" pitchFamily="34" charset="0"/>
               </a:rPr>
-              <a:t>קוד </a:t>
-            </a:r>
-            <a:r>
-              <a:rPr lang="he-IL" dirty="0" smtClean="0">
-                <a:latin typeface="Calibri" panose="020F0502020204030204" pitchFamily="34" charset="0"/>
-                <a:cs typeface="Calibri" panose="020F0502020204030204" pitchFamily="34" charset="0"/>
-              </a:rPr>
-              <a:t>תורם</a:t>
+              <a:t>קוד תורם</a:t>
             </a:r>
             <a:endParaRPr lang="en-US" dirty="0" smtClean="0">
               <a:latin typeface="Calibri" panose="020F0502020204030204" pitchFamily="34" charset="0"/>
@@ -4585,6 +4613,20 @@
                 <a:cs typeface="Calibri" panose="020F0502020204030204" pitchFamily="34" charset="0"/>
               </a:rPr>
               <a:t>הערות</a:t>
+            </a:r>
+            <a:endParaRPr lang="en-US" dirty="0" smtClean="0">
+              <a:latin typeface="Calibri" panose="020F0502020204030204" pitchFamily="34" charset="0"/>
+              <a:cs typeface="Calibri" panose="020F0502020204030204" pitchFamily="34" charset="0"/>
+            </a:endParaRPr>
+          </a:p>
+          <a:p>
+            <a:pPr algn="r"/>
+            <a:r>
+              <a:rPr lang="he-IL" dirty="0" smtClean="0">
+                <a:latin typeface="Calibri" panose="020F0502020204030204" pitchFamily="34" charset="0"/>
+                <a:cs typeface="Calibri" panose="020F0502020204030204" pitchFamily="34" charset="0"/>
+              </a:rPr>
+              <a:t>מספר תשלומים</a:t>
             </a:r>
             <a:endParaRPr lang="en-US" dirty="0">
               <a:latin typeface="Calibri" panose="020F0502020204030204" pitchFamily="34" charset="0"/>
@@ -4842,6 +4884,20 @@
                 <a:latin typeface="Calibri" panose="020F0502020204030204" pitchFamily="34" charset="0"/>
                 <a:cs typeface="Calibri" panose="020F0502020204030204" pitchFamily="34" charset="0"/>
               </a:rPr>
+              <a:t>קוד איש קשר</a:t>
+            </a:r>
+            <a:endParaRPr lang="he-IL" dirty="0" smtClean="0">
+              <a:latin typeface="Calibri" panose="020F0502020204030204" pitchFamily="34" charset="0"/>
+              <a:cs typeface="Calibri" panose="020F0502020204030204" pitchFamily="34" charset="0"/>
+            </a:endParaRPr>
+          </a:p>
+          <a:p>
+            <a:pPr algn="r"/>
+            <a:r>
+              <a:rPr lang="he-IL" dirty="0" smtClean="0">
+                <a:latin typeface="Calibri" panose="020F0502020204030204" pitchFamily="34" charset="0"/>
+                <a:cs typeface="Calibri" panose="020F0502020204030204" pitchFamily="34" charset="0"/>
+              </a:rPr>
               <a:t>טלפון</a:t>
             </a:r>
           </a:p>
@@ -4896,8 +4952,19 @@
                 <a:latin typeface="Calibri" panose="020F0502020204030204" pitchFamily="34" charset="0"/>
                 <a:cs typeface="Calibri" panose="020F0502020204030204" pitchFamily="34" charset="0"/>
               </a:rPr>
-              <a:t>סטטוס(פעיל\ לא פעיל)</a:t>
-            </a:r>
+              <a:t>סטטוס(פעיל\ לא </a:t>
+            </a:r>
+            <a:r>
+              <a:rPr lang="he-IL" dirty="0" smtClean="0">
+                <a:latin typeface="Calibri" panose="020F0502020204030204" pitchFamily="34" charset="0"/>
+                <a:cs typeface="Calibri" panose="020F0502020204030204" pitchFamily="34" charset="0"/>
+              </a:rPr>
+              <a:t>פעיל)</a:t>
+            </a:r>
+            <a:endParaRPr lang="he-IL" dirty="0" smtClean="0">
+              <a:latin typeface="Calibri" panose="020F0502020204030204" pitchFamily="34" charset="0"/>
+              <a:cs typeface="Calibri" panose="020F0502020204030204" pitchFamily="34" charset="0"/>
+            </a:endParaRPr>
           </a:p>
           <a:p>
             <a:pPr algn="r"/>
@@ -4916,34 +4983,20 @@
           <a:p>
             <a:pPr algn="r"/>
             <a:r>
-              <a:rPr lang="he-IL" dirty="0" smtClean="0">
-                <a:latin typeface="Calibri" panose="020F0502020204030204" pitchFamily="34" charset="0"/>
-                <a:cs typeface="Calibri" panose="020F0502020204030204" pitchFamily="34" charset="0"/>
-              </a:rPr>
-              <a:t>מ"ר</a:t>
-            </a:r>
-            <a:endParaRPr lang="en-US" dirty="0" smtClean="0">
-              <a:latin typeface="Calibri" panose="020F0502020204030204" pitchFamily="34" charset="0"/>
-              <a:cs typeface="Calibri" panose="020F0502020204030204" pitchFamily="34" charset="0"/>
-            </a:endParaRPr>
-          </a:p>
-          <a:p>
-            <a:pPr algn="r"/>
-            <a:r>
-              <a:rPr lang="he-IL" dirty="0">
+              <a:rPr lang="he-IL" strike="sngStrike" dirty="0" smtClean="0">
                 <a:latin typeface="Calibri" panose="020F0502020204030204" pitchFamily="34" charset="0"/>
                 <a:cs typeface="Calibri" panose="020F0502020204030204" pitchFamily="34" charset="0"/>
               </a:rPr>
               <a:t>אישור </a:t>
             </a:r>
             <a:r>
-              <a:rPr lang="he-IL" dirty="0" smtClean="0">
+              <a:rPr lang="he-IL" strike="sngStrike" dirty="0" smtClean="0">
                 <a:latin typeface="Calibri" panose="020F0502020204030204" pitchFamily="34" charset="0"/>
                 <a:cs typeface="Calibri" panose="020F0502020204030204" pitchFamily="34" charset="0"/>
               </a:rPr>
               <a:t>תקנון</a:t>
             </a:r>
-            <a:endParaRPr lang="he-IL" dirty="0">
+            <a:endParaRPr lang="he-IL" strike="sngStrike" dirty="0">
               <a:latin typeface="Calibri" panose="020F0502020204030204" pitchFamily="34" charset="0"/>
               <a:cs typeface="Calibri" panose="020F0502020204030204" pitchFamily="34" charset="0"/>
             </a:endParaRPr>
@@ -4958,7 +5011,7 @@
         </p:nvSpPr>
         <p:spPr>
           <a:xfrm>
-            <a:off x="7958857" y="4057205"/>
+            <a:off x="7878505" y="4393719"/>
             <a:ext cx="2541070" cy="1477328"/>
           </a:xfrm>
           <a:prstGeom prst="rect">
@@ -5508,7 +5561,7 @@
         </p:nvSpPr>
         <p:spPr>
           <a:xfrm>
-            <a:off x="10680818" y="-5224"/>
+            <a:off x="10389266" y="83089"/>
             <a:ext cx="1428596" cy="1477328"/>
           </a:xfrm>
           <a:prstGeom prst="rect">
@@ -5588,7 +5641,11 @@
             <a:pPr algn="r"/>
             <a:r>
               <a:rPr lang="he-IL" dirty="0" smtClean="0"/>
-              <a:t>פריטים: (תפילין\ עלונים)</a:t>
+              <a:t>פריטים: (תפילין\ </a:t>
+            </a:r>
+            <a:r>
+              <a:rPr lang="he-IL" strike="sngStrike" dirty="0" smtClean="0"/>
+              <a:t>עלונים)</a:t>
             </a:r>
           </a:p>
           <a:p>
@@ -5754,7 +5811,7 @@
         </p:nvSpPr>
         <p:spPr>
           <a:xfrm>
-            <a:off x="8588029" y="5711381"/>
+            <a:off x="8362966" y="5977503"/>
             <a:ext cx="3319741" cy="923330"/>
           </a:xfrm>
           <a:prstGeom prst="rect">
@@ -5906,7 +5963,7 @@
         </p:nvSpPr>
         <p:spPr>
           <a:xfrm>
-            <a:off x="5534166" y="3505127"/>
+            <a:off x="5717857" y="3441680"/>
             <a:ext cx="1889709" cy="3416320"/>
           </a:xfrm>
           <a:prstGeom prst="rect">
@@ -6015,7 +6072,7 @@
                 <a:latin typeface="Calibri" panose="020F0502020204030204" pitchFamily="34" charset="0"/>
                 <a:cs typeface="Calibri" panose="020F0502020204030204" pitchFamily="34" charset="0"/>
               </a:rPr>
-              <a:t> האם יש של שמאלי</a:t>
+              <a:t>האם יש של שמאלי</a:t>
             </a:r>
             <a:endParaRPr lang="en-US" dirty="0">
               <a:latin typeface="Calibri" panose="020F0502020204030204" pitchFamily="34" charset="0"/>
@@ -6140,7 +6197,7 @@
         </p:nvSpPr>
         <p:spPr>
           <a:xfrm>
-            <a:off x="12065698" y="1472104"/>
+            <a:off x="11927925" y="1560417"/>
             <a:ext cx="1862402" cy="2031325"/>
           </a:xfrm>
           <a:prstGeom prst="rect">
@@ -6220,7 +6277,7 @@
         </p:nvSpPr>
         <p:spPr>
           <a:xfrm>
-            <a:off x="2763507" y="5917160"/>
+            <a:off x="3338054" y="5625383"/>
             <a:ext cx="1406175" cy="1200329"/>
           </a:xfrm>
           <a:prstGeom prst="rect">
@@ -6263,6 +6320,171 @@
             <a:r>
               <a:rPr lang="he-IL" dirty="0" smtClean="0"/>
               <a:t>יעד</a:t>
+            </a:r>
+            <a:endParaRPr lang="he-IL" dirty="0"/>
+          </a:p>
+        </p:txBody>
+      </p:sp>
+      <p:sp>
+        <p:nvSpPr>
+          <p:cNvPr id="28" name="TextBox 27"/>
+          <p:cNvSpPr txBox="1"/>
+          <p:nvPr/>
+        </p:nvSpPr>
+        <p:spPr>
+          <a:xfrm>
+            <a:off x="11415174" y="3837681"/>
+            <a:ext cx="2243505" cy="2862322"/>
+          </a:xfrm>
+          <a:prstGeom prst="rect">
+            <a:avLst/>
+          </a:prstGeom>
+          <a:noFill/>
+          <a:ln>
+            <a:solidFill>
+              <a:schemeClr val="tx1"/>
+            </a:solidFill>
+          </a:ln>
+        </p:spPr>
+        <p:txBody>
+          <a:bodyPr wrap="square" rtlCol="1">
+            <a:spAutoFit/>
+          </a:bodyPr>
+          <a:lstStyle/>
+          <a:p>
+            <a:pPr algn="r"/>
+            <a:r>
+              <a:rPr lang="he-IL" dirty="0" smtClean="0"/>
+              <a:t>התקשרות לבעל עסק:</a:t>
+            </a:r>
+          </a:p>
+          <a:p>
+            <a:pPr algn="r"/>
+            <a:r>
+              <a:rPr lang="he-IL" dirty="0" smtClean="0"/>
+              <a:t>קוד</a:t>
+            </a:r>
+          </a:p>
+          <a:p>
+            <a:pPr algn="r"/>
+            <a:r>
+              <a:rPr lang="he-IL" dirty="0" smtClean="0"/>
+              <a:t>קוד בעל עסק</a:t>
+            </a:r>
+          </a:p>
+          <a:p>
+            <a:pPr algn="r"/>
+            <a:r>
+              <a:rPr lang="he-IL" dirty="0" smtClean="0"/>
+              <a:t>קוד שיוך עסק לדוכן</a:t>
+            </a:r>
+            <a:endParaRPr lang="en-US" dirty="0" smtClean="0"/>
+          </a:p>
+          <a:p>
+            <a:pPr algn="r"/>
+            <a:r>
+              <a:rPr lang="he-IL" dirty="0" smtClean="0"/>
+              <a:t>תאריך</a:t>
+            </a:r>
+            <a:endParaRPr lang="en-US" dirty="0" smtClean="0"/>
+          </a:p>
+          <a:p>
+            <a:pPr algn="r"/>
+            <a:r>
+              <a:rPr lang="he-IL" dirty="0" smtClean="0"/>
+              <a:t>סטאטוס חיוג</a:t>
+            </a:r>
+          </a:p>
+          <a:p>
+            <a:pPr algn="r"/>
+            <a:r>
+              <a:rPr lang="he-IL" dirty="0" smtClean="0"/>
+              <a:t>תוצאה</a:t>
+            </a:r>
+            <a:r>
+              <a:rPr lang="en-US" dirty="0" smtClean="0"/>
+              <a:t> </a:t>
+            </a:r>
+            <a:r>
+              <a:rPr lang="he-IL" dirty="0" smtClean="0"/>
+              <a:t>משימה</a:t>
+            </a:r>
+          </a:p>
+          <a:p>
+            <a:pPr algn="r"/>
+            <a:r>
+              <a:rPr lang="he-IL" dirty="0" smtClean="0"/>
+              <a:t>תמונה</a:t>
+            </a:r>
+            <a:endParaRPr lang="en-US" dirty="0" smtClean="0"/>
+          </a:p>
+          <a:p>
+            <a:pPr algn="r"/>
+            <a:r>
+              <a:rPr lang="he-IL" dirty="0" smtClean="0"/>
+              <a:t>הערות נוספות</a:t>
+            </a:r>
+          </a:p>
+          <a:p>
+            <a:pPr algn="r"/>
+            <a:r>
+              <a:rPr lang="he-IL" dirty="0" smtClean="0"/>
+              <a:t>קוד משתמש מתקשר</a:t>
+            </a:r>
+            <a:endParaRPr lang="he-IL" dirty="0"/>
+          </a:p>
+        </p:txBody>
+      </p:sp>
+      <p:sp>
+        <p:nvSpPr>
+          <p:cNvPr id="9" name="TextBox 8"/>
+          <p:cNvSpPr txBox="1"/>
+          <p:nvPr/>
+        </p:nvSpPr>
+        <p:spPr>
+          <a:xfrm>
+            <a:off x="650615" y="4393719"/>
+            <a:ext cx="1092584" cy="923330"/>
+          </a:xfrm>
+          <a:prstGeom prst="rect">
+            <a:avLst/>
+          </a:prstGeom>
+          <a:noFill/>
+        </p:spPr>
+        <p:txBody>
+          <a:bodyPr wrap="square" rtlCol="1">
+            <a:spAutoFit/>
+          </a:bodyPr>
+          <a:lstStyle/>
+          <a:p>
+            <a:r>
+              <a:rPr lang="he-IL" dirty="0" smtClean="0"/>
+              <a:t>איש קשר:</a:t>
+            </a:r>
+            <a:r>
+              <a:rPr lang="en-US" dirty="0" smtClean="0"/>
+              <a:t/>
+            </a:r>
+            <a:br>
+              <a:rPr lang="en-US" dirty="0" smtClean="0"/>
+            </a:br>
+            <a:r>
+              <a:rPr lang="he-IL" dirty="0" smtClean="0"/>
+              <a:t>שם</a:t>
+            </a:r>
+          </a:p>
+          <a:p>
+            <a:r>
+              <a:rPr lang="he-IL" dirty="0" err="1" smtClean="0"/>
+              <a:t>טפון</a:t>
+            </a:r>
+            <a:r>
+              <a:rPr lang="he-IL" dirty="0" smtClean="0"/>
+              <a:t> </a:t>
+            </a:r>
+            <a:r>
+              <a:rPr lang="he-IL" dirty="0" err="1" smtClean="0"/>
+              <a:t>וכו</a:t>
             </a:r>
             <a:endParaRPr lang="he-IL" dirty="0"/>
           </a:p>
